--- a/lesson4/class-inheritance.pptx
+++ b/lesson4/class-inheritance.pptx
@@ -10,6 +10,7 @@
     <p:sldId id="258" r:id="rId4"/>
     <p:sldId id="259" r:id="rId5"/>
     <p:sldId id="260" r:id="rId6"/>
+    <p:sldId id="261" r:id="rId7"/>
   </p:sldIdLst>
   <p:sldSz cx="9144000" cy="6858000" type="screen4x3"/>
   <p:notesSz cx="6858000" cy="9144000"/>
@@ -3110,6 +3111,13 @@
   <p:clrMapOvr>
     <a:masterClrMapping/>
   </p:clrMapOvr>
+  <p:timing>
+    <p:tnLst>
+      <p:par>
+        <p:cTn id="1" dur="indefinite" restart="never" nodeType="tmRoot"/>
+      </p:par>
+    </p:tnLst>
+  </p:timing>
 </p:sld>
 </file>
 
@@ -3177,11 +3185,7 @@
           <a:p>
             <a:r>
               <a:rPr lang="zh-CN" altLang="en-US" dirty="0" smtClean="0"/>
-              <a:t>封</a:t>
-            </a:r>
-            <a:r>
-              <a:rPr lang="zh-CN" altLang="en-US" dirty="0" smtClean="0"/>
-              <a:t>装</a:t>
+              <a:t>封装</a:t>
             </a:r>
             <a:endParaRPr lang="en-US" altLang="zh-CN" dirty="0" smtClean="0"/>
           </a:p>
@@ -3199,6 +3203,13 @@
   <p:clrMapOvr>
     <a:masterClrMapping/>
   </p:clrMapOvr>
+  <p:timing>
+    <p:tnLst>
+      <p:par>
+        <p:cTn id="1" dur="indefinite" restart="never" nodeType="tmRoot"/>
+      </p:par>
+    </p:tnLst>
+  </p:timing>
 </p:sld>
 </file>
 
@@ -3310,6 +3321,13 @@
   <p:clrMapOvr>
     <a:masterClrMapping/>
   </p:clrMapOvr>
+  <p:timing>
+    <p:tnLst>
+      <p:par>
+        <p:cTn id="1" dur="indefinite" restart="never" nodeType="tmRoot"/>
+      </p:par>
+    </p:tnLst>
+  </p:timing>
 </p:sld>
 </file>
 
@@ -3386,11 +3404,7 @@
           <a:p>
             <a:r>
               <a:rPr lang="en-US" altLang="zh-CN" dirty="0" smtClean="0"/>
-              <a:t> </a:t>
-            </a:r>
-            <a:r>
-              <a:rPr lang="en-US" altLang="zh-CN" dirty="0" smtClean="0"/>
-              <a:t>   // </a:t>
+              <a:t>    // </a:t>
             </a:r>
             <a:r>
               <a:rPr lang="zh-CN" altLang="en-US" dirty="0" smtClean="0"/>
@@ -3423,11 +3437,7 @@
           <a:p>
             <a:r>
               <a:rPr lang="en-US" altLang="zh-CN" dirty="0" smtClean="0"/>
-              <a:t> </a:t>
-            </a:r>
-            <a:r>
-              <a:rPr lang="en-US" altLang="zh-CN" dirty="0" smtClean="0"/>
-              <a:t>  public </a:t>
+              <a:t>   public </a:t>
             </a:r>
             <a:r>
               <a:rPr lang="en-US" altLang="zh-CN" dirty="0" err="1" smtClean="0"/>
@@ -3441,11 +3451,7 @@
           <a:p>
             <a:r>
               <a:rPr lang="en-US" altLang="zh-CN" dirty="0" smtClean="0"/>
-              <a:t> </a:t>
-            </a:r>
-            <a:r>
-              <a:rPr lang="en-US" altLang="zh-CN" dirty="0" smtClean="0"/>
-              <a:t>    //</a:t>
+              <a:t>     //</a:t>
             </a:r>
             <a:r>
               <a:rPr lang="zh-CN" altLang="en-US" dirty="0" smtClean="0"/>
@@ -3459,21 +3465,13 @@
           <a:p>
             <a:r>
               <a:rPr lang="en-US" altLang="zh-CN" dirty="0" smtClean="0"/>
-              <a:t> </a:t>
-            </a:r>
-            <a:r>
-              <a:rPr lang="en-US" altLang="zh-CN" dirty="0" smtClean="0"/>
-              <a:t> }</a:t>
-            </a:r>
-          </a:p>
-          <a:p>
-            <a:r>
-              <a:rPr lang="en-US" altLang="zh-CN" dirty="0" smtClean="0"/>
-              <a:t> </a:t>
-            </a:r>
-            <a:r>
-              <a:rPr lang="en-US" altLang="zh-CN" dirty="0" smtClean="0"/>
-              <a:t>  &lt;</a:t>
+              <a:t>  }</a:t>
+            </a:r>
+          </a:p>
+          <a:p>
+            <a:r>
+              <a:rPr lang="en-US" altLang="zh-CN" dirty="0" smtClean="0"/>
+              <a:t>   &lt;</a:t>
             </a:r>
             <a:r>
               <a:rPr lang="en-US" altLang="zh-CN" dirty="0" err="1" smtClean="0"/>
@@ -3511,7 +3509,6 @@
               <a:rPr lang="en-US" altLang="zh-CN" dirty="0" smtClean="0"/>
               <a:t>}</a:t>
             </a:r>
-            <a:endParaRPr lang="en-US" altLang="zh-CN" dirty="0" smtClean="0"/>
           </a:p>
           <a:p>
             <a:r>
@@ -3527,6 +3524,13 @@
   <p:clrMapOvr>
     <a:masterClrMapping/>
   </p:clrMapOvr>
+  <p:timing>
+    <p:tnLst>
+      <p:par>
+        <p:cTn id="1" dur="indefinite" restart="never" nodeType="tmRoot"/>
+      </p:par>
+    </p:tnLst>
+  </p:timing>
 </p:sld>
 </file>
 
@@ -3619,11 +3623,7 @@
           <a:p>
             <a:r>
               <a:rPr lang="en-US" altLang="zh-CN" dirty="0" smtClean="0"/>
-              <a:t> </a:t>
-            </a:r>
-            <a:r>
-              <a:rPr lang="en-US" altLang="zh-CN" dirty="0" smtClean="0"/>
-              <a:t>   // </a:t>
+              <a:t>    // </a:t>
             </a:r>
             <a:r>
               <a:rPr lang="zh-CN" altLang="en-US" dirty="0" smtClean="0"/>
@@ -3656,11 +3656,7 @@
           <a:p>
             <a:r>
               <a:rPr lang="en-US" altLang="zh-CN" dirty="0" smtClean="0"/>
-              <a:t> </a:t>
-            </a:r>
-            <a:r>
-              <a:rPr lang="en-US" altLang="zh-CN" dirty="0" smtClean="0"/>
-              <a:t>  public </a:t>
+              <a:t>   public </a:t>
             </a:r>
             <a:r>
               <a:rPr lang="en-US" altLang="zh-CN" dirty="0" err="1" smtClean="0"/>
@@ -3674,11 +3670,7 @@
           <a:p>
             <a:r>
               <a:rPr lang="en-US" altLang="zh-CN" dirty="0" smtClean="0"/>
-              <a:t> </a:t>
-            </a:r>
-            <a:r>
-              <a:rPr lang="en-US" altLang="zh-CN" dirty="0" smtClean="0"/>
-              <a:t>    //</a:t>
+              <a:t>     //</a:t>
             </a:r>
             <a:r>
               <a:rPr lang="zh-CN" altLang="en-US" dirty="0" smtClean="0"/>
@@ -3692,21 +3684,13 @@
           <a:p>
             <a:r>
               <a:rPr lang="en-US" altLang="zh-CN" dirty="0" smtClean="0"/>
-              <a:t> </a:t>
-            </a:r>
-            <a:r>
-              <a:rPr lang="en-US" altLang="zh-CN" dirty="0" smtClean="0"/>
-              <a:t> }</a:t>
-            </a:r>
-          </a:p>
-          <a:p>
-            <a:r>
-              <a:rPr lang="en-US" altLang="zh-CN" dirty="0" smtClean="0"/>
-              <a:t> </a:t>
-            </a:r>
-            <a:r>
-              <a:rPr lang="en-US" altLang="zh-CN" dirty="0" smtClean="0"/>
-              <a:t>  &lt;</a:t>
+              <a:t>  }</a:t>
+            </a:r>
+          </a:p>
+          <a:p>
+            <a:r>
+              <a:rPr lang="en-US" altLang="zh-CN" dirty="0" smtClean="0"/>
+              <a:t>   &lt;</a:t>
             </a:r>
             <a:r>
               <a:rPr lang="en-US" altLang="zh-CN" dirty="0" err="1" smtClean="0"/>
@@ -3744,12 +3728,180 @@
               <a:rPr lang="en-US" altLang="zh-CN" dirty="0" smtClean="0"/>
               <a:t>}</a:t>
             </a:r>
+          </a:p>
+          <a:p>
+            <a:r>
+              <a:rPr lang="en-US" altLang="zh-CN" dirty="0" smtClean="0"/>
+              <a:t>}</a:t>
+            </a:r>
+            <a:endParaRPr lang="zh-CN" altLang="en-US" dirty="0"/>
+          </a:p>
+        </p:txBody>
+      </p:sp>
+    </p:spTree>
+  </p:cSld>
+  <p:clrMapOvr>
+    <a:masterClrMapping/>
+  </p:clrMapOvr>
+  <p:timing>
+    <p:tnLst>
+      <p:par>
+        <p:cTn id="1" dur="indefinite" restart="never" nodeType="tmRoot"/>
+      </p:par>
+    </p:tnLst>
+  </p:timing>
+</p:sld>
+</file>
+
+<file path=ppt/slides/slide6.xml><?xml version="1.0" encoding="utf-8"?>
+<p:sld xmlns:a="http://schemas.openxmlformats.org/drawingml/2006/main" xmlns:r="http://schemas.openxmlformats.org/officeDocument/2006/relationships" xmlns:p="http://schemas.openxmlformats.org/presentationml/2006/main">
+  <p:cSld>
+    <p:spTree>
+      <p:nvGrpSpPr>
+        <p:cNvPr id="1" name=""/>
+        <p:cNvGrpSpPr/>
+        <p:nvPr/>
+      </p:nvGrpSpPr>
+      <p:grpSpPr>
+        <a:xfrm>
+          <a:off x="0" y="0"/>
+          <a:ext cx="0" cy="0"/>
+          <a:chOff x="0" y="0"/>
+          <a:chExt cx="0" cy="0"/>
+        </a:xfrm>
+      </p:grpSpPr>
+      <p:sp>
+        <p:nvSpPr>
+          <p:cNvPr id="2" name="标题 1"/>
+          <p:cNvSpPr>
+            <a:spLocks noGrp="1"/>
+          </p:cNvSpPr>
+          <p:nvPr>
+            <p:ph type="title"/>
+          </p:nvPr>
+        </p:nvSpPr>
+        <p:spPr/>
+        <p:txBody>
+          <a:bodyPr/>
+          <a:lstStyle/>
+          <a:p>
+            <a:r>
+              <a:rPr lang="zh-CN" altLang="en-US" dirty="0" smtClean="0"/>
+              <a:t>练习</a:t>
+            </a:r>
+            <a:endParaRPr lang="zh-CN" altLang="en-US" dirty="0"/>
+          </a:p>
+        </p:txBody>
+      </p:sp>
+      <p:sp>
+        <p:nvSpPr>
+          <p:cNvPr id="3" name="内容占位符 2"/>
+          <p:cNvSpPr>
+            <a:spLocks noGrp="1"/>
+          </p:cNvSpPr>
+          <p:nvPr>
+            <p:ph idx="1"/>
+          </p:nvPr>
+        </p:nvSpPr>
+        <p:spPr/>
+        <p:txBody>
+          <a:bodyPr>
+            <a:normAutofit fontScale="92500" lnSpcReduction="10000"/>
+          </a:bodyPr>
+          <a:lstStyle/>
+          <a:p>
+            <a:r>
+              <a:rPr lang="zh-CN" altLang="en-US" dirty="0" smtClean="0"/>
+              <a:t>长方形，正方形</a:t>
+            </a:r>
             <a:endParaRPr lang="en-US" altLang="zh-CN" dirty="0" smtClean="0"/>
           </a:p>
           <a:p>
             <a:r>
-              <a:rPr lang="en-US" altLang="zh-CN" dirty="0" smtClean="0"/>
-              <a:t>}</a:t>
+              <a:rPr lang="zh-CN" altLang="en-US" dirty="0" smtClean="0"/>
+              <a:t>长方</a:t>
+            </a:r>
+            <a:r>
+              <a:rPr lang="zh-CN" altLang="en-US" dirty="0" smtClean="0"/>
+              <a:t>形是父类</a:t>
+            </a:r>
+            <a:endParaRPr lang="en-US" altLang="zh-CN" dirty="0" smtClean="0"/>
+          </a:p>
+          <a:p>
+            <a:r>
+              <a:rPr lang="zh-CN" altLang="en-US" dirty="0" smtClean="0"/>
+              <a:t>正方</a:t>
+            </a:r>
+            <a:r>
+              <a:rPr lang="zh-CN" altLang="en-US" dirty="0" smtClean="0"/>
+              <a:t>形是子类</a:t>
+            </a:r>
+            <a:endParaRPr lang="en-US" altLang="zh-CN" dirty="0" smtClean="0"/>
+          </a:p>
+          <a:p>
+            <a:r>
+              <a:rPr lang="zh-CN" altLang="en-US" dirty="0" smtClean="0"/>
+              <a:t>长方形的方法</a:t>
+            </a:r>
+            <a:endParaRPr lang="en-US" altLang="zh-CN" dirty="0" smtClean="0"/>
+          </a:p>
+          <a:p>
+            <a:pPr lvl="1"/>
+            <a:r>
+              <a:rPr lang="en-US" altLang="zh-CN" dirty="0" smtClean="0"/>
+              <a:t>double </a:t>
+            </a:r>
+            <a:r>
+              <a:rPr lang="en-US" altLang="zh-CN" dirty="0" err="1" smtClean="0"/>
+              <a:t>get_area</a:t>
+            </a:r>
+            <a:r>
+              <a:rPr lang="en-US" altLang="zh-CN" dirty="0" smtClean="0"/>
+              <a:t>()</a:t>
+            </a:r>
+          </a:p>
+          <a:p>
+            <a:pPr lvl="1"/>
+            <a:r>
+              <a:rPr lang="en-US" altLang="zh-CN" dirty="0" smtClean="0"/>
+              <a:t>void </a:t>
+            </a:r>
+            <a:r>
+              <a:rPr lang="en-US" altLang="zh-CN" dirty="0" err="1" smtClean="0"/>
+              <a:t>printInfo</a:t>
+            </a:r>
+            <a:r>
+              <a:rPr lang="en-US" altLang="zh-CN" dirty="0" smtClean="0"/>
+              <a:t>()</a:t>
+            </a:r>
+          </a:p>
+          <a:p>
+            <a:r>
+              <a:rPr lang="zh-CN" altLang="en-US" dirty="0" smtClean="0"/>
+              <a:t>测</a:t>
+            </a:r>
+            <a:r>
+              <a:rPr lang="zh-CN" altLang="en-US" dirty="0" smtClean="0"/>
+              <a:t>试</a:t>
+            </a:r>
+            <a:endParaRPr lang="en-US" altLang="zh-CN" dirty="0" smtClean="0"/>
+          </a:p>
+          <a:p>
+            <a:pPr lvl="1"/>
+            <a:r>
+              <a:rPr lang="en-US" altLang="zh-CN" dirty="0" smtClean="0"/>
+              <a:t>Square s = new Square(20, “black”);</a:t>
+            </a:r>
+          </a:p>
+          <a:p>
+            <a:pPr lvl="1"/>
+            <a:r>
+              <a:rPr lang="en-US" altLang="zh-CN" dirty="0" err="1" smtClean="0"/>
+              <a:t>s.printInfo</a:t>
+            </a:r>
+            <a:r>
+              <a:rPr lang="en-US" altLang="zh-CN" dirty="0" smtClean="0"/>
+              <a:t>();</a:t>
             </a:r>
             <a:endParaRPr lang="zh-CN" altLang="en-US" dirty="0"/>
           </a:p>
